--- a/presentation/AInuggets_SS15MUASkurfess_subgroups_degenhart.pptx
+++ b/presentation/AInuggets_SS15MUASkurfess_subgroups_degenhart.pptx
@@ -210,7 +210,7 @@
           <a:p>
             <a:fld id="{89219E45-9071-5D4A-8911-E7A523ADC39E}" type="datetimeFigureOut">
               <a:rPr lang="en-US" smtClean="0"/>
-              <a:t>7/6/15</a:t>
+              <a:t>7/7/2015</a:t>
             </a:fld>
             <a:endParaRPr lang="en-US"/>
           </a:p>
@@ -1281,7 +1281,7 @@
           <a:p>
             <a:fld id="{0408543B-E886-7644-849C-D7DD9FE17ADD}" type="datetimeFigureOut">
               <a:rPr lang="en-US" smtClean="0"/>
-              <a:t>7/6/15</a:t>
+              <a:t>7/7/2015</a:t>
             </a:fld>
             <a:endParaRPr lang="en-US"/>
           </a:p>
@@ -1451,7 +1451,7 @@
           <a:p>
             <a:fld id="{0408543B-E886-7644-849C-D7DD9FE17ADD}" type="datetimeFigureOut">
               <a:rPr lang="en-US" smtClean="0"/>
-              <a:t>7/6/15</a:t>
+              <a:t>7/7/2015</a:t>
             </a:fld>
             <a:endParaRPr lang="en-US"/>
           </a:p>
@@ -1631,7 +1631,7 @@
           <a:p>
             <a:fld id="{0408543B-E886-7644-849C-D7DD9FE17ADD}" type="datetimeFigureOut">
               <a:rPr lang="en-US" smtClean="0"/>
-              <a:t>7/6/15</a:t>
+              <a:t>7/7/2015</a:t>
             </a:fld>
             <a:endParaRPr lang="en-US"/>
           </a:p>
@@ -1801,7 +1801,7 @@
           <a:p>
             <a:fld id="{0408543B-E886-7644-849C-D7DD9FE17ADD}" type="datetimeFigureOut">
               <a:rPr lang="en-US" smtClean="0"/>
-              <a:t>7/6/15</a:t>
+              <a:t>7/7/2015</a:t>
             </a:fld>
             <a:endParaRPr lang="en-US"/>
           </a:p>
@@ -2047,7 +2047,7 @@
           <a:p>
             <a:fld id="{0408543B-E886-7644-849C-D7DD9FE17ADD}" type="datetimeFigureOut">
               <a:rPr lang="en-US" smtClean="0"/>
-              <a:t>7/6/15</a:t>
+              <a:t>7/7/2015</a:t>
             </a:fld>
             <a:endParaRPr lang="en-US"/>
           </a:p>
@@ -2279,7 +2279,7 @@
           <a:p>
             <a:fld id="{0408543B-E886-7644-849C-D7DD9FE17ADD}" type="datetimeFigureOut">
               <a:rPr lang="en-US" smtClean="0"/>
-              <a:t>7/6/15</a:t>
+              <a:t>7/7/2015</a:t>
             </a:fld>
             <a:endParaRPr lang="en-US"/>
           </a:p>
@@ -2646,7 +2646,7 @@
           <a:p>
             <a:fld id="{0408543B-E886-7644-849C-D7DD9FE17ADD}" type="datetimeFigureOut">
               <a:rPr lang="en-US" smtClean="0"/>
-              <a:t>7/6/15</a:t>
+              <a:t>7/7/2015</a:t>
             </a:fld>
             <a:endParaRPr lang="en-US"/>
           </a:p>
@@ -2764,7 +2764,7 @@
           <a:p>
             <a:fld id="{0408543B-E886-7644-849C-D7DD9FE17ADD}" type="datetimeFigureOut">
               <a:rPr lang="en-US" smtClean="0"/>
-              <a:t>7/6/15</a:t>
+              <a:t>7/7/2015</a:t>
             </a:fld>
             <a:endParaRPr lang="en-US"/>
           </a:p>
@@ -2859,7 +2859,7 @@
           <a:p>
             <a:fld id="{0408543B-E886-7644-849C-D7DD9FE17ADD}" type="datetimeFigureOut">
               <a:rPr lang="en-US" smtClean="0"/>
-              <a:t>7/6/15</a:t>
+              <a:t>7/7/2015</a:t>
             </a:fld>
             <a:endParaRPr lang="en-US"/>
           </a:p>
@@ -3136,7 +3136,7 @@
           <a:p>
             <a:fld id="{0408543B-E886-7644-849C-D7DD9FE17ADD}" type="datetimeFigureOut">
               <a:rPr lang="en-US" smtClean="0"/>
-              <a:t>7/6/15</a:t>
+              <a:t>7/7/2015</a:t>
             </a:fld>
             <a:endParaRPr lang="en-US"/>
           </a:p>
@@ -3389,7 +3389,7 @@
           <a:p>
             <a:fld id="{0408543B-E886-7644-849C-D7DD9FE17ADD}" type="datetimeFigureOut">
               <a:rPr lang="en-US" smtClean="0"/>
-              <a:t>7/6/15</a:t>
+              <a:t>7/7/2015</a:t>
             </a:fld>
             <a:endParaRPr lang="en-US"/>
           </a:p>
@@ -3602,7 +3602,7 @@
           <a:p>
             <a:fld id="{0408543B-E886-7644-849C-D7DD9FE17ADD}" type="datetimeFigureOut">
               <a:rPr lang="en-US" smtClean="0"/>
-              <a:t>7/6/15</a:t>
+              <a:t>7/7/2015</a:t>
             </a:fld>
             <a:endParaRPr lang="en-US"/>
           </a:p>
@@ -4198,15 +4198,23 @@
           </a:p>
           <a:p>
             <a:r>
-              <a:rPr lang="en-US" sz="1400" i="1" dirty="0" smtClean="0"/>
-              <a:t>July 3</a:t>
-            </a:r>
-            <a:r>
-              <a:rPr lang="en-US" sz="1400" i="1" baseline="30000" dirty="0" smtClean="0"/>
-              <a:t>rd</a:t>
-            </a:r>
-            <a:r>
-              <a:rPr lang="en-US" sz="1050" i="1" dirty="0" smtClean="0"/>
+              <a:rPr lang="en-US" sz="1400" i="1" smtClean="0"/>
+              <a:t>July </a:t>
+            </a:r>
+            <a:r>
+              <a:rPr lang="en-US" sz="1400" i="1" smtClean="0"/>
+              <a:t>7</a:t>
+            </a:r>
+            <a:r>
+              <a:rPr lang="en-US" sz="1400" i="1" baseline="30000" smtClean="0"/>
+              <a:t>th</a:t>
+            </a:r>
+            <a:r>
+              <a:rPr lang="en-US" sz="1400" i="1" smtClean="0"/>
+              <a:t>,</a:t>
+            </a:r>
+            <a:r>
+              <a:rPr lang="en-US" sz="1050" i="1" smtClean="0"/>
               <a:t> </a:t>
             </a:r>
             <a:r>
@@ -5279,8 +5287,8 @@
           </a:fontRef>
         </p:style>
       </p:cxnSp>
-      <mc:AlternateContent xmlns:mc="http://schemas.openxmlformats.org/markup-compatibility/2006" xmlns:a14="http://schemas.microsoft.com/office/drawing/2010/main">
-        <mc:Choice Requires="a14">
+      <mc:AlternateContent xmlns:mc="http://schemas.openxmlformats.org/markup-compatibility/2006">
+        <mc:Choice xmlns:a14="http://schemas.microsoft.com/office/drawing/2010/main" Requires="a14">
           <p:sp>
             <p:nvSpPr>
               <p:cNvPr id="14" name="TextBox 13"/>
@@ -5290,7 +5298,7 @@
             <p:spPr>
               <a:xfrm>
                 <a:off x="7211950" y="5185935"/>
-                <a:ext cx="3521029" cy="276999"/>
+                <a:ext cx="3886513" cy="276999"/>
               </a:xfrm>
               <a:prstGeom prst="rect">
                 <a:avLst/>
@@ -5314,7 +5322,7 @@
                         <m:rPr>
                           <m:sty m:val="p"/>
                         </m:rPr>
-                        <a:rPr lang="de-DE" i="1">
+                        <a:rPr lang="de-DE" i="1" smtClean="0">
                           <a:solidFill>
                             <a:schemeClr val="tx1"/>
                           </a:solidFill>
@@ -5365,7 +5373,7 @@
                           </a:solidFill>
                           <a:latin typeface="Cambria Math" charset="0"/>
                         </a:rPr>
-                        <m:t>𝑠𝑢𝑏𝑔𝑟𝑜𝑢𝑝𝑠𝑖𝑧𝑒</m:t>
+                        <m:t>𝑠𝑢𝑏𝑠𝑢𝑏𝑔𝑟𝑜𝑢𝑝𝑠𝑖𝑧𝑒</m:t>
                       </m:r>
                     </m:oMath>
                   </m:oMathPara>
@@ -5379,7 +5387,7 @@
             </p:txBody>
           </p:sp>
         </mc:Choice>
-        <mc:Fallback xmlns="">
+        <mc:Fallback>
           <p:sp>
             <p:nvSpPr>
               <p:cNvPr id="14" name="TextBox 13"/>
@@ -5391,7 +5399,7 @@
             <p:spPr>
               <a:xfrm>
                 <a:off x="7211950" y="5185935"/>
-                <a:ext cx="3521029" cy="276999"/>
+                <a:ext cx="3886513" cy="276999"/>
               </a:xfrm>
               <a:prstGeom prst="rect">
                 <a:avLst/>
@@ -5399,7 +5407,7 @@
               <a:blipFill rotWithShape="0">
                 <a:blip r:embed="rId3"/>
                 <a:stretch>
-                  <a:fillRect l="-519" t="-4444" r="-2076" b="-37778"/>
+                  <a:fillRect l="-470" t="-4444" r="-1567" b="-35556"/>
                 </a:stretch>
               </a:blipFill>
             </p:spPr>
@@ -5408,7 +5416,7 @@
               <a:lstStyle/>
               <a:p>
                 <a:r>
-                  <a:rPr lang="en-US">
+                  <a:rPr lang="de-DE">
                     <a:noFill/>
                   </a:rPr>
                   <a:t> </a:t>
@@ -5427,7 +5435,7 @@
         <p:spPr>
           <a:xfrm>
             <a:off x="6022930" y="5546876"/>
-            <a:ext cx="5407070" cy="861774"/>
+            <a:ext cx="5407070" cy="1077218"/>
           </a:xfrm>
           <a:prstGeom prst="rect">
             <a:avLst/>
@@ -5442,7 +5450,15 @@
           <a:p>
             <a:r>
               <a:rPr lang="en-US"/>
-              <a:t>Idea: reward strong bonds between large subgroups.</a:t>
+              <a:t>Idea: reward strong bonds between large </a:t>
+            </a:r>
+            <a:r>
+              <a:rPr lang="en-US" smtClean="0"/>
+              <a:t>subsubgroups</a:t>
+            </a:r>
+            <a:r>
+              <a:rPr lang="en-US"/>
+              <a:t>.</a:t>
             </a:r>
           </a:p>
           <a:p>
@@ -5454,7 +5470,15 @@
           <a:p>
             <a:r>
               <a:rPr lang="en-US" sz="1400"/>
-              <a:t>For instance subsubgroups with the subgroup-caller could get a bonus.</a:t>
+              <a:t>For instance subsubgroups </a:t>
+            </a:r>
+            <a:r>
+              <a:rPr lang="en-US" sz="1400" smtClean="0"/>
+              <a:t>containing the respective </a:t>
+            </a:r>
+            <a:r>
+              <a:rPr lang="en-US" sz="1400"/>
+              <a:t>subgroup-caller could get a bonus.</a:t>
             </a:r>
           </a:p>
         </p:txBody>
@@ -8973,7 +8997,7 @@
         <p:spPr>
           <a:xfrm>
             <a:off x="1625806" y="1298430"/>
-            <a:ext cx="8940388" cy="3305520"/>
+            <a:ext cx="8940388" cy="3674852"/>
           </a:xfrm>
           <a:prstGeom prst="rect">
             <a:avLst/>
@@ -9082,12 +9106,28 @@
               <a:buChar char="•"/>
             </a:pPr>
             <a:r>
+              <a:rPr lang="en-US" sz="2000">
+                <a:solidFill>
+                  <a:srgbClr val="0070C0"/>
+                </a:solidFill>
+              </a:rPr>
+              <a:t>anything </a:t>
+            </a:r>
+            <a:r>
+              <a:rPr lang="en-US" sz="2000" smtClean="0">
+                <a:solidFill>
+                  <a:srgbClr val="0070C0"/>
+                </a:solidFill>
+              </a:rPr>
+              <a:t>you have a </a:t>
+            </a:r>
+            <a:r>
               <a:rPr lang="en-US" sz="2000" dirty="0">
                 <a:solidFill>
                   <a:srgbClr val="0070C0"/>
                 </a:solidFill>
               </a:rPr>
-              <a:t>anything where multiple selections are being assembled out of a shared pool of entitities and the </a:t>
+              <a:t>shared pool of entitities and the </a:t>
             </a:r>
             <a:r>
               <a:rPr lang="en-US" sz="2000" i="1" dirty="0">
@@ -9103,8 +9143,29 @@
                   <a:srgbClr val="0070C0"/>
                 </a:solidFill>
               </a:rPr>
-              <a:t> in question goes into the assembly of the selection</a:t>
-            </a:r>
+              <a:t> in question goes into the assembly </a:t>
+            </a:r>
+            <a:r>
+              <a:rPr lang="en-US" sz="2000">
+                <a:solidFill>
+                  <a:srgbClr val="0070C0"/>
+                </a:solidFill>
+              </a:rPr>
+              <a:t>of </a:t>
+            </a:r>
+            <a:r>
+              <a:rPr lang="en-US" sz="2000" smtClean="0">
+                <a:solidFill>
+                  <a:srgbClr val="0070C0"/>
+                </a:solidFill>
+              </a:rPr>
+              <a:t>a selection and/or the combination of selections that arise from this shared pool</a:t>
+            </a:r>
+            <a:endParaRPr lang="en-US" sz="2000" dirty="0">
+              <a:solidFill>
+                <a:srgbClr val="0070C0"/>
+              </a:solidFill>
+            </a:endParaRPr>
           </a:p>
         </p:txBody>
       </p:sp>
@@ -9152,7 +9213,7 @@
         </p:nvSpPr>
         <p:spPr>
           <a:xfrm>
-            <a:off x="1625806" y="4788498"/>
+            <a:off x="1625806" y="5074940"/>
             <a:ext cx="7669372" cy="1089529"/>
           </a:xfrm>
           <a:prstGeom prst="rect">
@@ -10012,7 +10073,6 @@
               <a:rPr lang="en-US" sz="4000" dirty="0"/>
               <a:t>Questions?</a:t>
             </a:r>
-            <a:endParaRPr lang="en-US" sz="4000" dirty="0"/>
           </a:p>
           <a:p>
             <a:pPr algn="ctr">
@@ -10020,6 +10080,28 @@
                 <a:spcPct val="150000"/>
               </a:lnSpc>
             </a:pPr>
+            <a:r>
+              <a:rPr lang="en-US" sz="2400">
+                <a:solidFill>
+                  <a:schemeClr val="tx1">
+                    <a:lumMod val="50000"/>
+                    <a:lumOff val="50000"/>
+                  </a:schemeClr>
+                </a:solidFill>
+              </a:rPr>
+              <a:t>Suggestions </a:t>
+            </a:r>
+            <a:r>
+              <a:rPr lang="en-US" sz="2400" smtClean="0">
+                <a:solidFill>
+                  <a:schemeClr val="tx1">
+                    <a:lumMod val="50000"/>
+                    <a:lumOff val="50000"/>
+                  </a:schemeClr>
+                </a:solidFill>
+              </a:rPr>
+              <a:t>for a </a:t>
+            </a:r>
             <a:r>
               <a:rPr lang="en-US" sz="2400" dirty="0">
                 <a:solidFill>
@@ -10029,7 +10111,7 @@
                   </a:schemeClr>
                 </a:solidFill>
               </a:rPr>
-              <a:t>Suggestions for better title? </a:t>
+              <a:t>better title? </a:t>
             </a:r>
             <a:r>
               <a:rPr lang="en-US" sz="1600" dirty="0">
@@ -20989,8 +21071,8 @@
           </a:graphicData>
         </a:graphic>
       </p:graphicFrame>
-      <mc:AlternateContent xmlns:mc="http://schemas.openxmlformats.org/markup-compatibility/2006">
-        <mc:Choice xmlns:a14="http://schemas.microsoft.com/office/drawing/2010/main" Requires="a14">
+      <mc:AlternateContent xmlns:mc="http://schemas.openxmlformats.org/markup-compatibility/2006" xmlns:a14="http://schemas.microsoft.com/office/drawing/2010/main">
+        <mc:Choice Requires="a14">
           <p:sp>
             <p:nvSpPr>
               <p:cNvPr id="9" name="TextBox 8"/>
@@ -21035,7 +21117,7 @@
                         <m:sSupPr>
                           <m:ctrlPr>
                             <a:rPr lang="de-DE" sz="3200" b="0" i="1" smtClean="0">
-                              <a:latin typeface="Cambria Math" charset="0"/>
+                              <a:latin typeface="Cambria Math" panose="02040503050406030204" pitchFamily="18" charset="0"/>
                             </a:rPr>
                           </m:ctrlPr>
                         </m:sSupPr>
@@ -21158,7 +21240,7 @@
             </p:txBody>
           </p:sp>
         </mc:Choice>
-        <mc:Fallback>
+        <mc:Fallback xmlns="">
           <p:sp>
             <p:nvSpPr>
               <p:cNvPr id="9" name="TextBox 8"/>

--- a/presentation/AInuggets_SS15MUASkurfess_subgroups_degenhart.pptx
+++ b/presentation/AInuggets_SS15MUASkurfess_subgroups_degenhart.pptx
@@ -210,7 +210,7 @@
           <a:p>
             <a:fld id="{89219E45-9071-5D4A-8911-E7A523ADC39E}" type="datetimeFigureOut">
               <a:rPr lang="en-US" smtClean="0"/>
-              <a:t>7/7/2015</a:t>
+              <a:t>7/8/15</a:t>
             </a:fld>
             <a:endParaRPr lang="en-US"/>
           </a:p>
@@ -1281,7 +1281,7 @@
           <a:p>
             <a:fld id="{0408543B-E886-7644-849C-D7DD9FE17ADD}" type="datetimeFigureOut">
               <a:rPr lang="en-US" smtClean="0"/>
-              <a:t>7/7/2015</a:t>
+              <a:t>7/8/15</a:t>
             </a:fld>
             <a:endParaRPr lang="en-US"/>
           </a:p>
@@ -1451,7 +1451,7 @@
           <a:p>
             <a:fld id="{0408543B-E886-7644-849C-D7DD9FE17ADD}" type="datetimeFigureOut">
               <a:rPr lang="en-US" smtClean="0"/>
-              <a:t>7/7/2015</a:t>
+              <a:t>7/8/15</a:t>
             </a:fld>
             <a:endParaRPr lang="en-US"/>
           </a:p>
@@ -1631,7 +1631,7 @@
           <a:p>
             <a:fld id="{0408543B-E886-7644-849C-D7DD9FE17ADD}" type="datetimeFigureOut">
               <a:rPr lang="en-US" smtClean="0"/>
-              <a:t>7/7/2015</a:t>
+              <a:t>7/8/15</a:t>
             </a:fld>
             <a:endParaRPr lang="en-US"/>
           </a:p>
@@ -1801,7 +1801,7 @@
           <a:p>
             <a:fld id="{0408543B-E886-7644-849C-D7DD9FE17ADD}" type="datetimeFigureOut">
               <a:rPr lang="en-US" smtClean="0"/>
-              <a:t>7/7/2015</a:t>
+              <a:t>7/8/15</a:t>
             </a:fld>
             <a:endParaRPr lang="en-US"/>
           </a:p>
@@ -2047,7 +2047,7 @@
           <a:p>
             <a:fld id="{0408543B-E886-7644-849C-D7DD9FE17ADD}" type="datetimeFigureOut">
               <a:rPr lang="en-US" smtClean="0"/>
-              <a:t>7/7/2015</a:t>
+              <a:t>7/8/15</a:t>
             </a:fld>
             <a:endParaRPr lang="en-US"/>
           </a:p>
@@ -2279,7 +2279,7 @@
           <a:p>
             <a:fld id="{0408543B-E886-7644-849C-D7DD9FE17ADD}" type="datetimeFigureOut">
               <a:rPr lang="en-US" smtClean="0"/>
-              <a:t>7/7/2015</a:t>
+              <a:t>7/8/15</a:t>
             </a:fld>
             <a:endParaRPr lang="en-US"/>
           </a:p>
@@ -2646,7 +2646,7 @@
           <a:p>
             <a:fld id="{0408543B-E886-7644-849C-D7DD9FE17ADD}" type="datetimeFigureOut">
               <a:rPr lang="en-US" smtClean="0"/>
-              <a:t>7/7/2015</a:t>
+              <a:t>7/8/15</a:t>
             </a:fld>
             <a:endParaRPr lang="en-US"/>
           </a:p>
@@ -2764,7 +2764,7 @@
           <a:p>
             <a:fld id="{0408543B-E886-7644-849C-D7DD9FE17ADD}" type="datetimeFigureOut">
               <a:rPr lang="en-US" smtClean="0"/>
-              <a:t>7/7/2015</a:t>
+              <a:t>7/8/15</a:t>
             </a:fld>
             <a:endParaRPr lang="en-US"/>
           </a:p>
@@ -2859,7 +2859,7 @@
           <a:p>
             <a:fld id="{0408543B-E886-7644-849C-D7DD9FE17ADD}" type="datetimeFigureOut">
               <a:rPr lang="en-US" smtClean="0"/>
-              <a:t>7/7/2015</a:t>
+              <a:t>7/8/15</a:t>
             </a:fld>
             <a:endParaRPr lang="en-US"/>
           </a:p>
@@ -3136,7 +3136,7 @@
           <a:p>
             <a:fld id="{0408543B-E886-7644-849C-D7DD9FE17ADD}" type="datetimeFigureOut">
               <a:rPr lang="en-US" smtClean="0"/>
-              <a:t>7/7/2015</a:t>
+              <a:t>7/8/15</a:t>
             </a:fld>
             <a:endParaRPr lang="en-US"/>
           </a:p>
@@ -3389,7 +3389,7 @@
           <a:p>
             <a:fld id="{0408543B-E886-7644-849C-D7DD9FE17ADD}" type="datetimeFigureOut">
               <a:rPr lang="en-US" smtClean="0"/>
-              <a:t>7/7/2015</a:t>
+              <a:t>7/8/15</a:t>
             </a:fld>
             <a:endParaRPr lang="en-US"/>
           </a:p>
@@ -3602,7 +3602,7 @@
           <a:p>
             <a:fld id="{0408543B-E886-7644-849C-D7DD9FE17ADD}" type="datetimeFigureOut">
               <a:rPr lang="en-US" smtClean="0"/>
-              <a:t>7/7/2015</a:t>
+              <a:t>7/8/15</a:t>
             </a:fld>
             <a:endParaRPr lang="en-US"/>
           </a:p>
@@ -4199,11 +4199,7 @@
           <a:p>
             <a:r>
               <a:rPr lang="en-US" sz="1400" i="1" smtClean="0"/>
-              <a:t>July </a:t>
-            </a:r>
-            <a:r>
-              <a:rPr lang="en-US" sz="1400" i="1" smtClean="0"/>
-              <a:t>7</a:t>
+              <a:t>July 7</a:t>
             </a:r>
             <a:r>
               <a:rPr lang="en-US" sz="1400" i="1" baseline="30000" smtClean="0"/>
@@ -5287,8 +5283,8 @@
           </a:fontRef>
         </p:style>
       </p:cxnSp>
-      <mc:AlternateContent xmlns:mc="http://schemas.openxmlformats.org/markup-compatibility/2006">
-        <mc:Choice xmlns:a14="http://schemas.microsoft.com/office/drawing/2010/main" Requires="a14">
+      <mc:AlternateContent xmlns:mc="http://schemas.openxmlformats.org/markup-compatibility/2006" xmlns:a14="http://schemas.microsoft.com/office/drawing/2010/main">
+        <mc:Choice Requires="a14">
           <p:sp>
             <p:nvSpPr>
               <p:cNvPr id="14" name="TextBox 13"/>
@@ -5387,7 +5383,7 @@
             </p:txBody>
           </p:sp>
         </mc:Choice>
-        <mc:Fallback>
+        <mc:Fallback xmlns="">
           <p:sp>
             <p:nvSpPr>
               <p:cNvPr id="14" name="TextBox 13"/>
@@ -10941,7 +10937,7 @@
         </p:nvSpPr>
         <p:spPr>
           <a:xfrm>
-            <a:off x="4510279" y="3075057"/>
+            <a:off x="4510279" y="284153"/>
             <a:ext cx="3171443" cy="707886"/>
           </a:xfrm>
           <a:prstGeom prst="rect">
@@ -10962,6 +10958,252 @@
           </a:p>
         </p:txBody>
       </p:sp>
+      <mc:AlternateContent xmlns:mc="http://schemas.openxmlformats.org/markup-compatibility/2006">
+        <mc:Choice xmlns:a14="http://schemas.microsoft.com/office/drawing/2010/main" Requires="a14">
+          <p:sp>
+            <p:nvSpPr>
+              <p:cNvPr id="3" name="TextBox 2"/>
+              <p:cNvSpPr txBox="1"/>
+              <p:nvPr/>
+            </p:nvSpPr>
+            <p:spPr>
+              <a:xfrm>
+                <a:off x="1463537" y="1020741"/>
+                <a:ext cx="9264926" cy="5706177"/>
+              </a:xfrm>
+              <a:prstGeom prst="rect">
+                <a:avLst/>
+              </a:prstGeom>
+              <a:noFill/>
+            </p:spPr>
+            <p:txBody>
+              <a:bodyPr wrap="square" rtlCol="0">
+                <a:spAutoFit/>
+              </a:bodyPr>
+              <a:lstStyle/>
+              <a:p>
+                <a:pPr>
+                  <a:lnSpc>
+                    <a:spcPct val="120000"/>
+                  </a:lnSpc>
+                </a:pPr>
+                <a:r>
+                  <a:rPr lang="en-US" sz="2400" dirty="0"/>
+                  <a:t>We can form </a:t>
+                </a:r>
+                <a14:m>
+                  <m:oMath xmlns:m="http://schemas.openxmlformats.org/officeDocument/2006/math">
+                    <m:sSup>
+                      <m:sSupPr>
+                        <m:ctrlPr>
+                          <a:rPr lang="de-DE" sz="2400" b="1" i="1" dirty="0">
+                            <a:latin typeface="Cambria Math" charset="0"/>
+                          </a:rPr>
+                        </m:ctrlPr>
+                      </m:sSupPr>
+                      <m:e>
+                        <m:r>
+                          <a:rPr lang="de-DE" sz="2400" b="1" i="1" dirty="0">
+                            <a:latin typeface="Cambria Math" charset="0"/>
+                          </a:rPr>
+                          <m:t>𝟐</m:t>
+                        </m:r>
+                      </m:e>
+                      <m:sup>
+                        <m:r>
+                          <a:rPr lang="de-DE" sz="2400" b="1" i="1" dirty="0">
+                            <a:latin typeface="Cambria Math" charset="0"/>
+                          </a:rPr>
+                          <m:t>𝒏</m:t>
+                        </m:r>
+                      </m:sup>
+                    </m:sSup>
+                  </m:oMath>
+                </a14:m>
+                <a:r>
+                  <a:rPr lang="en-US" sz="2400" dirty="0" smtClean="0"/>
+                  <a:t> subgroups! </a:t>
+                </a:r>
+              </a:p>
+              <a:p>
+                <a:endParaRPr lang="en-US" sz="2400" dirty="0" smtClean="0"/>
+              </a:p>
+              <a:p>
+                <a:pPr>
+                  <a:lnSpc>
+                    <a:spcPct val="120000"/>
+                  </a:lnSpc>
+                </a:pPr>
+                <a:r>
+                  <a:rPr lang="en-US" sz="2000" dirty="0" smtClean="0"/>
+                  <a:t>That includes the empty subgroup </a:t>
+                </a:r>
+                <a:r>
+                  <a:rPr lang="en-US" sz="2000" dirty="0" smtClean="0">
+                    <a:latin typeface="Courier New" charset="0"/>
+                    <a:ea typeface="Courier New" charset="0"/>
+                    <a:cs typeface="Courier New" charset="0"/>
+                  </a:rPr>
+                  <a:t>{}</a:t>
+                </a:r>
+                <a:r>
+                  <a:rPr lang="en-US" sz="2000" dirty="0" smtClean="0">
+                    <a:ea typeface="Courier New" charset="0"/>
+                    <a:cs typeface="Courier New" charset="0"/>
+                  </a:rPr>
+                  <a:t> </a:t>
+                </a:r>
+                <a:r>
+                  <a:rPr lang="en-US" sz="2000" dirty="0" smtClean="0"/>
+                  <a:t>and one subgroup that contains all of you. The number of subgroups of size </a:t>
+                </a:r>
+                <a:r>
+                  <a:rPr lang="en-US" sz="2000" dirty="0" smtClean="0">
+                    <a:latin typeface="Courier New" charset="0"/>
+                    <a:ea typeface="Courier New" charset="0"/>
+                    <a:cs typeface="Courier New" charset="0"/>
+                  </a:rPr>
+                  <a:t>1</a:t>
+                </a:r>
+                <a:r>
+                  <a:rPr lang="en-US" sz="2000" dirty="0" smtClean="0"/>
+                  <a:t> is obviously equal to how many people we are :) </a:t>
+                </a:r>
+                <a:r>
+                  <a:rPr lang="en-US" sz="1600" dirty="0" smtClean="0"/>
+                  <a:t>More about the other subgroup-sizes a few slides later…</a:t>
+                </a:r>
+                <a:endParaRPr lang="en-US" sz="2000" dirty="0"/>
+              </a:p>
+              <a:p>
+                <a:pPr>
+                  <a:lnSpc>
+                    <a:spcPct val="120000"/>
+                  </a:lnSpc>
+                </a:pPr>
+                <a:r>
+                  <a:rPr lang="en-US" sz="2000" dirty="0"/>
+                  <a:t>While all these subgroups are mathematically equal – they are not equal from a </a:t>
+                </a:r>
+                <a:r>
+                  <a:rPr lang="en-US" sz="2000" i="1" dirty="0"/>
+                  <a:t>social meaning </a:t>
+                </a:r>
+                <a:r>
+                  <a:rPr lang="en-US" sz="2000" dirty="0"/>
+                  <a:t>perspective.</a:t>
+                </a:r>
+              </a:p>
+              <a:p>
+                <a:pPr>
+                  <a:lnSpc>
+                    <a:spcPct val="120000"/>
+                  </a:lnSpc>
+                </a:pPr>
+                <a:r>
+                  <a:rPr lang="en-US" sz="2000" dirty="0"/>
+                  <a:t>Some of you have worked together and therefore the social space of your subgroups is </a:t>
+                </a:r>
+                <a:r>
+                  <a:rPr lang="en-US" sz="2000" i="1" dirty="0"/>
+                  <a:t>charged, </a:t>
+                </a:r>
+                <a:r>
+                  <a:rPr lang="en-US" sz="2000" dirty="0"/>
+                  <a:t>some of you might be romantically involved – whereas some of you might not even have talked to each other yet.</a:t>
+                </a:r>
+              </a:p>
+              <a:p>
+                <a:pPr>
+                  <a:lnSpc>
+                    <a:spcPct val="120000"/>
+                  </a:lnSpc>
+                </a:pPr>
+                <a:r>
+                  <a:rPr lang="en-US" sz="2000" dirty="0"/>
+                  <a:t>So all these (many!) subgroups we can form have a distinct value attached to them that could be interpreted as the </a:t>
+                </a:r>
+                <a:r>
+                  <a:rPr lang="en-US" sz="2000" i="1" dirty="0"/>
+                  <a:t>social weight </a:t>
+                </a:r>
+                <a:r>
+                  <a:rPr lang="en-US" sz="2000" dirty="0"/>
+                  <a:t>in the complex social system.</a:t>
+                </a:r>
+              </a:p>
+              <a:p>
+                <a:pPr>
+                  <a:lnSpc>
+                    <a:spcPct val="120000"/>
+                  </a:lnSpc>
+                </a:pPr>
+                <a:r>
+                  <a:rPr lang="en-US" sz="2000" dirty="0" smtClean="0"/>
+                  <a:t>In every subgroup you’d find yourself in, you would </a:t>
+                </a:r>
+                <a:r>
+                  <a:rPr lang="en-US" sz="2000" i="1" dirty="0" smtClean="0"/>
+                  <a:t>feel something</a:t>
+                </a:r>
+                <a:r>
+                  <a:rPr lang="en-US" sz="2000" dirty="0"/>
+                  <a:t>; shyness, motivation, immediate sympathy, … etc.</a:t>
+                </a:r>
+              </a:p>
+              <a:p>
+                <a:pPr>
+                  <a:lnSpc>
+                    <a:spcPct val="120000"/>
+                  </a:lnSpc>
+                </a:pPr>
+                <a:r>
+                  <a:rPr lang="en-US" sz="2000" dirty="0" smtClean="0"/>
+                  <a:t>We are social creatures after all.</a:t>
+                </a:r>
+              </a:p>
+            </p:txBody>
+          </p:sp>
+        </mc:Choice>
+        <mc:Fallback>
+          <p:sp>
+            <p:nvSpPr>
+              <p:cNvPr id="3" name="TextBox 2"/>
+              <p:cNvSpPr txBox="1">
+                <a:spLocks noRot="1" noChangeAspect="1" noMove="1" noResize="1" noEditPoints="1" noAdjustHandles="1" noChangeArrowheads="1" noChangeShapeType="1" noTextEdit="1"/>
+              </p:cNvSpPr>
+              <p:nvPr/>
+            </p:nvSpPr>
+            <p:spPr>
+              <a:xfrm>
+                <a:off x="1463537" y="1020741"/>
+                <a:ext cx="9264926" cy="5706177"/>
+              </a:xfrm>
+              <a:prstGeom prst="rect">
+                <a:avLst/>
+              </a:prstGeom>
+              <a:blipFill rotWithShape="0">
+                <a:blip r:embed="rId2"/>
+                <a:stretch>
+                  <a:fillRect l="-987" t="-107" r="-1118"/>
+                </a:stretch>
+              </a:blipFill>
+            </p:spPr>
+            <p:txBody>
+              <a:bodyPr/>
+              <a:lstStyle/>
+              <a:p>
+                <a:r>
+                  <a:rPr lang="en-US">
+                    <a:noFill/>
+                  </a:rPr>
+                  <a:t> </a:t>
+                </a:r>
+              </a:p>
+            </p:txBody>
+          </p:sp>
+        </mc:Fallback>
+      </mc:AlternateContent>
     </p:spTree>
     <p:extLst>
       <p:ext uri="{BB962C8B-B14F-4D97-AF65-F5344CB8AC3E}">
@@ -10975,9 +11217,462 @@
   <p:timing>
     <p:tnLst>
       <p:par>
-        <p:cTn id="1" dur="indefinite" restart="never" nodeType="tmRoot"/>
+        <p:cTn id="1" dur="indefinite" restart="never" nodeType="tmRoot">
+          <p:childTnLst>
+            <p:seq concurrent="1" nextAc="seek">
+              <p:cTn id="2" dur="indefinite" nodeType="mainSeq">
+                <p:childTnLst>
+                  <p:par>
+                    <p:cTn id="3" fill="hold">
+                      <p:stCondLst>
+                        <p:cond delay="indefinite"/>
+                      </p:stCondLst>
+                      <p:childTnLst>
+                        <p:par>
+                          <p:cTn id="4" fill="hold">
+                            <p:stCondLst>
+                              <p:cond delay="0"/>
+                            </p:stCondLst>
+                            <p:childTnLst>
+                              <p:par>
+                                <p:cTn id="5" presetID="10" presetClass="entr" presetSubtype="0" fill="hold" grpId="0" nodeType="clickEffect">
+                                  <p:stCondLst>
+                                    <p:cond delay="0"/>
+                                  </p:stCondLst>
+                                  <p:childTnLst>
+                                    <p:set>
+                                      <p:cBhvr>
+                                        <p:cTn id="6" dur="1" fill="hold">
+                                          <p:stCondLst>
+                                            <p:cond delay="0"/>
+                                          </p:stCondLst>
+                                        </p:cTn>
+                                        <p:tgtEl>
+                                          <p:spTgt spid="3">
+                                            <p:txEl>
+                                              <p:pRg st="0" end="0"/>
+                                            </p:txEl>
+                                          </p:spTgt>
+                                        </p:tgtEl>
+                                        <p:attrNameLst>
+                                          <p:attrName>style.visibility</p:attrName>
+                                        </p:attrNameLst>
+                                      </p:cBhvr>
+                                      <p:to>
+                                        <p:strVal val="visible"/>
+                                      </p:to>
+                                    </p:set>
+                                    <p:animEffect transition="in" filter="fade">
+                                      <p:cBhvr>
+                                        <p:cTn id="7" dur="500"/>
+                                        <p:tgtEl>
+                                          <p:spTgt spid="3">
+                                            <p:txEl>
+                                              <p:pRg st="0" end="0"/>
+                                            </p:txEl>
+                                          </p:spTgt>
+                                        </p:tgtEl>
+                                      </p:cBhvr>
+                                    </p:animEffect>
+                                  </p:childTnLst>
+                                </p:cTn>
+                              </p:par>
+                            </p:childTnLst>
+                          </p:cTn>
+                        </p:par>
+                      </p:childTnLst>
+                    </p:cTn>
+                  </p:par>
+                  <p:par>
+                    <p:cTn id="8" fill="hold">
+                      <p:stCondLst>
+                        <p:cond delay="indefinite"/>
+                      </p:stCondLst>
+                      <p:childTnLst>
+                        <p:par>
+                          <p:cTn id="9" fill="hold">
+                            <p:stCondLst>
+                              <p:cond delay="0"/>
+                            </p:stCondLst>
+                            <p:childTnLst>
+                              <p:par>
+                                <p:cTn id="10" presetID="10" presetClass="entr" presetSubtype="0" fill="hold" grpId="0" nodeType="clickEffect">
+                                  <p:stCondLst>
+                                    <p:cond delay="0"/>
+                                  </p:stCondLst>
+                                  <p:childTnLst>
+                                    <p:set>
+                                      <p:cBhvr>
+                                        <p:cTn id="11" dur="1" fill="hold">
+                                          <p:stCondLst>
+                                            <p:cond delay="0"/>
+                                          </p:stCondLst>
+                                        </p:cTn>
+                                        <p:tgtEl>
+                                          <p:spTgt spid="3">
+                                            <p:txEl>
+                                              <p:pRg st="2" end="2"/>
+                                            </p:txEl>
+                                          </p:spTgt>
+                                        </p:tgtEl>
+                                        <p:attrNameLst>
+                                          <p:attrName>style.visibility</p:attrName>
+                                        </p:attrNameLst>
+                                      </p:cBhvr>
+                                      <p:to>
+                                        <p:strVal val="visible"/>
+                                      </p:to>
+                                    </p:set>
+                                    <p:animEffect transition="in" filter="fade">
+                                      <p:cBhvr>
+                                        <p:cTn id="12" dur="500"/>
+                                        <p:tgtEl>
+                                          <p:spTgt spid="3">
+                                            <p:txEl>
+                                              <p:pRg st="2" end="2"/>
+                                            </p:txEl>
+                                          </p:spTgt>
+                                        </p:tgtEl>
+                                      </p:cBhvr>
+                                    </p:animEffect>
+                                  </p:childTnLst>
+                                </p:cTn>
+                              </p:par>
+                            </p:childTnLst>
+                          </p:cTn>
+                        </p:par>
+                      </p:childTnLst>
+                    </p:cTn>
+                  </p:par>
+                  <p:par>
+                    <p:cTn id="13" fill="hold">
+                      <p:stCondLst>
+                        <p:cond delay="indefinite"/>
+                      </p:stCondLst>
+                      <p:childTnLst>
+                        <p:par>
+                          <p:cTn id="14" fill="hold">
+                            <p:stCondLst>
+                              <p:cond delay="0"/>
+                            </p:stCondLst>
+                            <p:childTnLst>
+                              <p:par>
+                                <p:cTn id="15" presetID="10" presetClass="entr" presetSubtype="0" fill="hold" grpId="0" nodeType="clickEffect">
+                                  <p:stCondLst>
+                                    <p:cond delay="0"/>
+                                  </p:stCondLst>
+                                  <p:childTnLst>
+                                    <p:set>
+                                      <p:cBhvr>
+                                        <p:cTn id="16" dur="1" fill="hold">
+                                          <p:stCondLst>
+                                            <p:cond delay="0"/>
+                                          </p:stCondLst>
+                                        </p:cTn>
+                                        <p:tgtEl>
+                                          <p:spTgt spid="3">
+                                            <p:txEl>
+                                              <p:pRg st="3" end="3"/>
+                                            </p:txEl>
+                                          </p:spTgt>
+                                        </p:tgtEl>
+                                        <p:attrNameLst>
+                                          <p:attrName>style.visibility</p:attrName>
+                                        </p:attrNameLst>
+                                      </p:cBhvr>
+                                      <p:to>
+                                        <p:strVal val="visible"/>
+                                      </p:to>
+                                    </p:set>
+                                    <p:animEffect transition="in" filter="fade">
+                                      <p:cBhvr>
+                                        <p:cTn id="17" dur="500"/>
+                                        <p:tgtEl>
+                                          <p:spTgt spid="3">
+                                            <p:txEl>
+                                              <p:pRg st="3" end="3"/>
+                                            </p:txEl>
+                                          </p:spTgt>
+                                        </p:tgtEl>
+                                      </p:cBhvr>
+                                    </p:animEffect>
+                                  </p:childTnLst>
+                                </p:cTn>
+                              </p:par>
+                            </p:childTnLst>
+                          </p:cTn>
+                        </p:par>
+                      </p:childTnLst>
+                    </p:cTn>
+                  </p:par>
+                  <p:par>
+                    <p:cTn id="18" fill="hold">
+                      <p:stCondLst>
+                        <p:cond delay="indefinite"/>
+                      </p:stCondLst>
+                      <p:childTnLst>
+                        <p:par>
+                          <p:cTn id="19" fill="hold">
+                            <p:stCondLst>
+                              <p:cond delay="0"/>
+                            </p:stCondLst>
+                            <p:childTnLst>
+                              <p:par>
+                                <p:cTn id="20" presetID="10" presetClass="entr" presetSubtype="0" fill="hold" grpId="0" nodeType="clickEffect">
+                                  <p:stCondLst>
+                                    <p:cond delay="0"/>
+                                  </p:stCondLst>
+                                  <p:childTnLst>
+                                    <p:set>
+                                      <p:cBhvr>
+                                        <p:cTn id="21" dur="1" fill="hold">
+                                          <p:stCondLst>
+                                            <p:cond delay="0"/>
+                                          </p:stCondLst>
+                                        </p:cTn>
+                                        <p:tgtEl>
+                                          <p:spTgt spid="3">
+                                            <p:txEl>
+                                              <p:pRg st="4" end="4"/>
+                                            </p:txEl>
+                                          </p:spTgt>
+                                        </p:tgtEl>
+                                        <p:attrNameLst>
+                                          <p:attrName>style.visibility</p:attrName>
+                                        </p:attrNameLst>
+                                      </p:cBhvr>
+                                      <p:to>
+                                        <p:strVal val="visible"/>
+                                      </p:to>
+                                    </p:set>
+                                    <p:animEffect transition="in" filter="fade">
+                                      <p:cBhvr>
+                                        <p:cTn id="22" dur="500"/>
+                                        <p:tgtEl>
+                                          <p:spTgt spid="3">
+                                            <p:txEl>
+                                              <p:pRg st="4" end="4"/>
+                                            </p:txEl>
+                                          </p:spTgt>
+                                        </p:tgtEl>
+                                      </p:cBhvr>
+                                    </p:animEffect>
+                                  </p:childTnLst>
+                                </p:cTn>
+                              </p:par>
+                            </p:childTnLst>
+                          </p:cTn>
+                        </p:par>
+                      </p:childTnLst>
+                    </p:cTn>
+                  </p:par>
+                  <p:par>
+                    <p:cTn id="23" fill="hold">
+                      <p:stCondLst>
+                        <p:cond delay="indefinite"/>
+                      </p:stCondLst>
+                      <p:childTnLst>
+                        <p:par>
+                          <p:cTn id="24" fill="hold">
+                            <p:stCondLst>
+                              <p:cond delay="0"/>
+                            </p:stCondLst>
+                            <p:childTnLst>
+                              <p:par>
+                                <p:cTn id="25" presetID="10" presetClass="entr" presetSubtype="0" fill="hold" grpId="0" nodeType="clickEffect">
+                                  <p:stCondLst>
+                                    <p:cond delay="0"/>
+                                  </p:stCondLst>
+                                  <p:childTnLst>
+                                    <p:set>
+                                      <p:cBhvr>
+                                        <p:cTn id="26" dur="1" fill="hold">
+                                          <p:stCondLst>
+                                            <p:cond delay="0"/>
+                                          </p:stCondLst>
+                                        </p:cTn>
+                                        <p:tgtEl>
+                                          <p:spTgt spid="3">
+                                            <p:txEl>
+                                              <p:pRg st="5" end="5"/>
+                                            </p:txEl>
+                                          </p:spTgt>
+                                        </p:tgtEl>
+                                        <p:attrNameLst>
+                                          <p:attrName>style.visibility</p:attrName>
+                                        </p:attrNameLst>
+                                      </p:cBhvr>
+                                      <p:to>
+                                        <p:strVal val="visible"/>
+                                      </p:to>
+                                    </p:set>
+                                    <p:animEffect transition="in" filter="fade">
+                                      <p:cBhvr>
+                                        <p:cTn id="27" dur="500"/>
+                                        <p:tgtEl>
+                                          <p:spTgt spid="3">
+                                            <p:txEl>
+                                              <p:pRg st="5" end="5"/>
+                                            </p:txEl>
+                                          </p:spTgt>
+                                        </p:tgtEl>
+                                      </p:cBhvr>
+                                    </p:animEffect>
+                                  </p:childTnLst>
+                                </p:cTn>
+                              </p:par>
+                            </p:childTnLst>
+                          </p:cTn>
+                        </p:par>
+                      </p:childTnLst>
+                    </p:cTn>
+                  </p:par>
+                  <p:par>
+                    <p:cTn id="28" fill="hold">
+                      <p:stCondLst>
+                        <p:cond delay="indefinite"/>
+                      </p:stCondLst>
+                      <p:childTnLst>
+                        <p:par>
+                          <p:cTn id="29" fill="hold">
+                            <p:stCondLst>
+                              <p:cond delay="0"/>
+                            </p:stCondLst>
+                            <p:childTnLst>
+                              <p:par>
+                                <p:cTn id="30" presetID="10" presetClass="entr" presetSubtype="0" fill="hold" grpId="0" nodeType="clickEffect">
+                                  <p:stCondLst>
+                                    <p:cond delay="0"/>
+                                  </p:stCondLst>
+                                  <p:childTnLst>
+                                    <p:set>
+                                      <p:cBhvr>
+                                        <p:cTn id="31" dur="1" fill="hold">
+                                          <p:stCondLst>
+                                            <p:cond delay="0"/>
+                                          </p:stCondLst>
+                                        </p:cTn>
+                                        <p:tgtEl>
+                                          <p:spTgt spid="3">
+                                            <p:txEl>
+                                              <p:pRg st="6" end="6"/>
+                                            </p:txEl>
+                                          </p:spTgt>
+                                        </p:tgtEl>
+                                        <p:attrNameLst>
+                                          <p:attrName>style.visibility</p:attrName>
+                                        </p:attrNameLst>
+                                      </p:cBhvr>
+                                      <p:to>
+                                        <p:strVal val="visible"/>
+                                      </p:to>
+                                    </p:set>
+                                    <p:animEffect transition="in" filter="fade">
+                                      <p:cBhvr>
+                                        <p:cTn id="32" dur="500"/>
+                                        <p:tgtEl>
+                                          <p:spTgt spid="3">
+                                            <p:txEl>
+                                              <p:pRg st="6" end="6"/>
+                                            </p:txEl>
+                                          </p:spTgt>
+                                        </p:tgtEl>
+                                      </p:cBhvr>
+                                    </p:animEffect>
+                                  </p:childTnLst>
+                                </p:cTn>
+                              </p:par>
+                            </p:childTnLst>
+                          </p:cTn>
+                        </p:par>
+                      </p:childTnLst>
+                    </p:cTn>
+                  </p:par>
+                  <p:par>
+                    <p:cTn id="33" fill="hold">
+                      <p:stCondLst>
+                        <p:cond delay="indefinite"/>
+                      </p:stCondLst>
+                      <p:childTnLst>
+                        <p:par>
+                          <p:cTn id="34" fill="hold">
+                            <p:stCondLst>
+                              <p:cond delay="0"/>
+                            </p:stCondLst>
+                            <p:childTnLst>
+                              <p:par>
+                                <p:cTn id="35" presetID="10" presetClass="entr" presetSubtype="0" fill="hold" grpId="0" nodeType="clickEffect">
+                                  <p:stCondLst>
+                                    <p:cond delay="0"/>
+                                  </p:stCondLst>
+                                  <p:childTnLst>
+                                    <p:set>
+                                      <p:cBhvr>
+                                        <p:cTn id="36" dur="1" fill="hold">
+                                          <p:stCondLst>
+                                            <p:cond delay="0"/>
+                                          </p:stCondLst>
+                                        </p:cTn>
+                                        <p:tgtEl>
+                                          <p:spTgt spid="3">
+                                            <p:txEl>
+                                              <p:pRg st="7" end="7"/>
+                                            </p:txEl>
+                                          </p:spTgt>
+                                        </p:tgtEl>
+                                        <p:attrNameLst>
+                                          <p:attrName>style.visibility</p:attrName>
+                                        </p:attrNameLst>
+                                      </p:cBhvr>
+                                      <p:to>
+                                        <p:strVal val="visible"/>
+                                      </p:to>
+                                    </p:set>
+                                    <p:animEffect transition="in" filter="fade">
+                                      <p:cBhvr>
+                                        <p:cTn id="37" dur="500"/>
+                                        <p:tgtEl>
+                                          <p:spTgt spid="3">
+                                            <p:txEl>
+                                              <p:pRg st="7" end="7"/>
+                                            </p:txEl>
+                                          </p:spTgt>
+                                        </p:tgtEl>
+                                      </p:cBhvr>
+                                    </p:animEffect>
+                                  </p:childTnLst>
+                                </p:cTn>
+                              </p:par>
+                            </p:childTnLst>
+                          </p:cTn>
+                        </p:par>
+                      </p:childTnLst>
+                    </p:cTn>
+                  </p:par>
+                </p:childTnLst>
+              </p:cTn>
+              <p:prevCondLst>
+                <p:cond evt="onPrev" delay="0">
+                  <p:tgtEl>
+                    <p:sldTgt/>
+                  </p:tgtEl>
+                </p:cond>
+              </p:prevCondLst>
+              <p:nextCondLst>
+                <p:cond evt="onNext" delay="0">
+                  <p:tgtEl>
+                    <p:sldTgt/>
+                  </p:tgtEl>
+                </p:cond>
+              </p:nextCondLst>
+            </p:seq>
+          </p:childTnLst>
+        </p:cTn>
       </p:par>
     </p:tnLst>
+    <p:bldLst>
+      <p:bldP spid="3" grpId="0" build="p"/>
+    </p:bldLst>
   </p:timing>
 </p:sld>
 </file>
@@ -21117,7 +21812,7 @@
                         <m:sSupPr>
                           <m:ctrlPr>
                             <a:rPr lang="de-DE" sz="3200" b="0" i="1" smtClean="0">
-                              <a:latin typeface="Cambria Math" panose="02040503050406030204" pitchFamily="18" charset="0"/>
+                              <a:latin typeface="Cambria Math" charset="0"/>
                             </a:rPr>
                           </m:ctrlPr>
                         </m:sSupPr>
@@ -25049,7 +25744,7 @@
         </p:nvSpPr>
         <p:spPr>
           <a:xfrm>
-            <a:off x="6684265" y="700207"/>
+            <a:off x="6572951" y="620697"/>
             <a:ext cx="5387918" cy="6200159"/>
           </a:xfrm>
           <a:prstGeom prst="rect">
@@ -25349,7 +26044,7 @@
         </p:nvSpPr>
         <p:spPr>
           <a:xfrm rot="16200000">
-            <a:off x="4727592" y="3290501"/>
+            <a:off x="4695788" y="3290501"/>
             <a:ext cx="3651216" cy="276999"/>
           </a:xfrm>
           <a:prstGeom prst="rect">
@@ -25367,9 +26062,8 @@
             <a:r>
               <a:rPr lang="en-US" sz="1200" dirty="0" err="1">
                 <a:solidFill>
-                  <a:schemeClr val="accent1">
-                    <a:lumMod val="60000"/>
-                    <a:lumOff val="40000"/>
+                  <a:schemeClr val="bg1">
+                    <a:lumMod val="75000"/>
                   </a:schemeClr>
                 </a:solidFill>
               </a:rPr>
@@ -25378,9 +26072,8 @@
             <a:r>
               <a:rPr lang="en-US" sz="1000" dirty="0" err="1">
                 <a:solidFill>
-                  <a:schemeClr val="accent1">
-                    <a:lumMod val="60000"/>
-                    <a:lumOff val="40000"/>
+                  <a:schemeClr val="bg1">
+                    <a:lumMod val="75000"/>
                   </a:schemeClr>
                 </a:solidFill>
               </a:rPr>
@@ -25389,30 +26082,17 @@
             <a:r>
               <a:rPr lang="en-US" sz="1200" dirty="0" err="1">
                 <a:solidFill>
-                  <a:schemeClr val="accent1">
-                    <a:lumMod val="60000"/>
-                    <a:lumOff val="40000"/>
+                  <a:schemeClr val="bg1">
+                    <a:lumMod val="75000"/>
                   </a:schemeClr>
                 </a:solidFill>
               </a:rPr>
-              <a:t>at: </a:t>
-            </a:r>
-            <a:r>
-              <a:rPr lang="en-US" sz="1200" u="sng" dirty="0" err="1">
-                <a:solidFill>
-                  <a:schemeClr val="accent1">
-                    <a:lumMod val="60000"/>
-                    <a:lumOff val="40000"/>
-                  </a:schemeClr>
-                </a:solidFill>
-              </a:rPr>
-              <a:t>github.com/benjaminaaron/subgroups</a:t>
-            </a:r>
-            <a:endParaRPr lang="en-US" sz="1200" u="sng" dirty="0">
+              <a:t>at: github.com/benjaminaaron/subgroups</a:t>
+            </a:r>
+            <a:endParaRPr lang="en-US" sz="1200" dirty="0">
               <a:solidFill>
-                <a:schemeClr val="accent1">
-                  <a:lumMod val="60000"/>
-                  <a:lumOff val="40000"/>
+                <a:schemeClr val="bg1">
+                  <a:lumMod val="75000"/>
                 </a:schemeClr>
               </a:solidFill>
             </a:endParaRPr>
